--- a/docs/week-02/Week 2 - Everyone can do research - test 120223.pptx
+++ b/docs/week-02/Week 2 - Everyone can do research - test 120223.pptx
@@ -31971,35 +31971,36 @@
 
 <file path=customXml/item2.xml><?xml version="1.0" encoding="utf-8"?>
 <p:properties xmlns:p="http://schemas.microsoft.com/office/2006/metadata/properties" xmlns:xsi="http://www.w3.org/2001/XMLSchema-instance" xmlns:pc="http://schemas.microsoft.com/office/infopath/2007/PartnerControls">
-  <documentManagement/>
+  <documentManagement>
+    <lcf76f155ced4ddcb4097134ff3c332f xmlns="52f235f7-1081-46ec-beea-0dbb270c3494">
+      <Terms xmlns="http://schemas.microsoft.com/office/infopath/2007/PartnerControls"/>
+    </lcf76f155ced4ddcb4097134ff3c332f>
+    <Additionalinformation xmlns="52f235f7-1081-46ec-beea-0dbb270c3494" xsi:nil="true"/>
+  </documentManagement>
 </p:properties>
 </file>
 
 <file path=customXml/item3.xml><?xml version="1.0" encoding="utf-8"?>
-<ct:contentTypeSchema xmlns:ct="http://schemas.microsoft.com/office/2006/metadata/contentType" xmlns:ma="http://schemas.microsoft.com/office/2006/metadata/properties/metaAttributes" ct:_="" ma:_="" ma:contentTypeName="Document" ma:contentTypeID="0x010100B62AA6958990464F80153A8A5DA1EA6C" ma:contentTypeVersion="14" ma:contentTypeDescription="Create a new document." ma:contentTypeScope="" ma:versionID="6c68ed370016a591e784174216944397">
-  <xsd:schema xmlns:xsd="http://www.w3.org/2001/XMLSchema" xmlns:xs="http://www.w3.org/2001/XMLSchema" xmlns:p="http://schemas.microsoft.com/office/2006/metadata/properties" xmlns:ns3="564fa042-ba5f-40f1-b789-4e4509f02e28" xmlns:ns4="05827adb-aabe-415b-94da-6391be120ca3" targetNamespace="http://schemas.microsoft.com/office/2006/metadata/properties" ma:root="true" ma:fieldsID="99cef128ba3ad89ce1413b032782ae4f" ns3:_="" ns4:_="">
-    <xsd:import namespace="564fa042-ba5f-40f1-b789-4e4509f02e28"/>
-    <xsd:import namespace="05827adb-aabe-415b-94da-6391be120ca3"/>
+<ct:contentTypeSchema xmlns:ct="http://schemas.microsoft.com/office/2006/metadata/contentType" xmlns:ma="http://schemas.microsoft.com/office/2006/metadata/properties/metaAttributes" ct:_="" ma:_="" ma:contentTypeName="Document" ma:contentTypeID="0x0101004C9B46969FEA9B418B6ECF3C00C78A3F" ma:contentTypeVersion="12" ma:contentTypeDescription="Een nieuw document maken." ma:contentTypeScope="" ma:versionID="510e17e38c1fac53a09aa39c63d38ad8">
+  <xsd:schema xmlns:xsd="http://www.w3.org/2001/XMLSchema" xmlns:xs="http://www.w3.org/2001/XMLSchema" xmlns:p="http://schemas.microsoft.com/office/2006/metadata/properties" xmlns:ns2="52f235f7-1081-46ec-beea-0dbb270c3494" targetNamespace="http://schemas.microsoft.com/office/2006/metadata/properties" ma:root="true" ma:fieldsID="2678fc25c9056504f0cec2963dbb1c9a" ns2:_="">
+    <xsd:import namespace="52f235f7-1081-46ec-beea-0dbb270c3494"/>
     <xsd:element name="properties">
       <xsd:complexType>
         <xsd:sequence>
           <xsd:element name="documentManagement">
             <xsd:complexType>
               <xsd:all>
-                <xsd:element ref="ns3:MediaServiceMetadata" minOccurs="0"/>
-                <xsd:element ref="ns3:MediaServiceFastMetadata" minOccurs="0"/>
-                <xsd:element ref="ns3:MediaServiceAutoTags" minOccurs="0"/>
-                <xsd:element ref="ns3:MediaServiceGenerationTime" minOccurs="0"/>
-                <xsd:element ref="ns3:MediaServiceEventHashCode" minOccurs="0"/>
-                <xsd:element ref="ns3:MediaServiceDateTaken" minOccurs="0"/>
-                <xsd:element ref="ns3:MediaServiceLocation" minOccurs="0"/>
-                <xsd:element ref="ns4:SharedWithUsers" minOccurs="0"/>
-                <xsd:element ref="ns4:SharedWithDetails" minOccurs="0"/>
-                <xsd:element ref="ns4:SharingHintHash" minOccurs="0"/>
-                <xsd:element ref="ns3:MediaLengthInSeconds" minOccurs="0"/>
-                <xsd:element ref="ns3:MediaServiceAutoKeyPoints" minOccurs="0"/>
-                <xsd:element ref="ns3:MediaServiceKeyPoints" minOccurs="0"/>
-                <xsd:element ref="ns3:MediaServiceOCR" minOccurs="0"/>
+                <xsd:element ref="ns2:MediaServiceMetadata" minOccurs="0"/>
+                <xsd:element ref="ns2:MediaServiceFastMetadata" minOccurs="0"/>
+                <xsd:element ref="ns2:MediaServiceSearchProperties" minOccurs="0"/>
+                <xsd:element ref="ns2:Additionalinformation" minOccurs="0"/>
+                <xsd:element ref="ns2:MediaServiceDateTaken" minOccurs="0"/>
+                <xsd:element ref="ns2:MediaServiceGenerationTime" minOccurs="0"/>
+                <xsd:element ref="ns2:MediaServiceEventHashCode" minOccurs="0"/>
+                <xsd:element ref="ns2:MediaLengthInSeconds" minOccurs="0"/>
+                <xsd:element ref="ns2:MediaServiceBillingMetadata" minOccurs="0"/>
+                <xsd:element ref="ns2:lcf76f155ced4ddcb4097134ff3c332f" minOccurs="0"/>
+                <xsd:element ref="ns2:MediaServiceOCR" minOccurs="0"/>
               </xsd:all>
             </xsd:complexType>
           </xsd:element>
@@ -32007,7 +32008,7 @@
       </xsd:complexType>
     </xsd:element>
   </xsd:schema>
-  <xsd:schema xmlns:xsd="http://www.w3.org/2001/XMLSchema" xmlns:xs="http://www.w3.org/2001/XMLSchema" xmlns:dms="http://schemas.microsoft.com/office/2006/documentManagement/types" xmlns:pc="http://schemas.microsoft.com/office/infopath/2007/PartnerControls" targetNamespace="564fa042-ba5f-40f1-b789-4e4509f02e28" elementFormDefault="qualified">
+  <xsd:schema xmlns:xsd="http://www.w3.org/2001/XMLSchema" xmlns:xs="http://www.w3.org/2001/XMLSchema" xmlns:dms="http://schemas.microsoft.com/office/2006/documentManagement/types" xmlns:pc="http://schemas.microsoft.com/office/infopath/2007/PartnerControls" targetNamespace="52f235f7-1081-46ec-beea-0dbb270c3494" elementFormDefault="qualified">
     <xsd:import namespace="http://schemas.microsoft.com/office/2006/documentManagement/types"/>
     <xsd:import namespace="http://schemas.microsoft.com/office/infopath/2007/PartnerControls"/>
     <xsd:element name="MediaServiceMetadata" ma:index="8" nillable="true" ma:displayName="MediaServiceMetadata" ma:hidden="true" ma:internalName="MediaServiceMetadata" ma:readOnly="true">
@@ -32020,88 +32021,55 @@
         <xsd:restriction base="dms:Note"/>
       </xsd:simpleType>
     </xsd:element>
-    <xsd:element name="MediaServiceAutoTags" ma:index="10" nillable="true" ma:displayName="Tags" ma:internalName="MediaServiceAutoTags" ma:readOnly="true">
+    <xsd:element name="MediaServiceSearchProperties" ma:index="10" nillable="true" ma:displayName="MediaServiceSearchProperties" ma:hidden="true" ma:internalName="MediaServiceSearchProperties" ma:readOnly="true">
+      <xsd:simpleType>
+        <xsd:restriction base="dms:Note"/>
+      </xsd:simpleType>
+    </xsd:element>
+    <xsd:element name="Additionalinformation" ma:index="11" nillable="true" ma:displayName="Additional information " ma:description="As an example, you can use this PPT to organise your first PBL meeting. Try to position the students as members of a management team, which frequently comes together; well prepared and dressed appropriately ;)" ma:format="Dropdown" ma:internalName="Additionalinformation">
+      <xsd:simpleType>
+        <xsd:restriction base="dms:Text">
+          <xsd:maxLength value="255"/>
+        </xsd:restriction>
+      </xsd:simpleType>
+    </xsd:element>
+    <xsd:element name="MediaServiceDateTaken" ma:index="12" nillable="true" ma:displayName="MediaServiceDateTaken" ma:hidden="true" ma:indexed="true" ma:internalName="MediaServiceDateTaken" ma:readOnly="true">
       <xsd:simpleType>
         <xsd:restriction base="dms:Text"/>
       </xsd:simpleType>
     </xsd:element>
-    <xsd:element name="MediaServiceGenerationTime" ma:index="11" nillable="true" ma:displayName="MediaServiceGenerationTime" ma:hidden="true" ma:internalName="MediaServiceGenerationTime" ma:readOnly="true">
+    <xsd:element name="MediaServiceGenerationTime" ma:index="13" nillable="true" ma:displayName="MediaServiceGenerationTime" ma:hidden="true" ma:internalName="MediaServiceGenerationTime" ma:readOnly="true">
       <xsd:simpleType>
         <xsd:restriction base="dms:Text"/>
       </xsd:simpleType>
     </xsd:element>
-    <xsd:element name="MediaServiceEventHashCode" ma:index="12" nillable="true" ma:displayName="MediaServiceEventHashCode" ma:hidden="true" ma:internalName="MediaServiceEventHashCode" ma:readOnly="true">
+    <xsd:element name="MediaServiceEventHashCode" ma:index="14" nillable="true" ma:displayName="MediaServiceEventHashCode" ma:hidden="true" ma:internalName="MediaServiceEventHashCode" ma:readOnly="true">
       <xsd:simpleType>
         <xsd:restriction base="dms:Text"/>
       </xsd:simpleType>
     </xsd:element>
-    <xsd:element name="MediaServiceDateTaken" ma:index="13" nillable="true" ma:displayName="MediaServiceDateTaken" ma:hidden="true" ma:internalName="MediaServiceDateTaken" ma:readOnly="true">
-      <xsd:simpleType>
-        <xsd:restriction base="dms:Text"/>
-      </xsd:simpleType>
-    </xsd:element>
-    <xsd:element name="MediaServiceLocation" ma:index="14" nillable="true" ma:displayName="Location" ma:internalName="MediaServiceLocation" ma:readOnly="true">
-      <xsd:simpleType>
-        <xsd:restriction base="dms:Text"/>
-      </xsd:simpleType>
-    </xsd:element>
-    <xsd:element name="MediaLengthInSeconds" ma:index="18" nillable="true" ma:displayName="MediaLengthInSeconds" ma:hidden="true" ma:internalName="MediaLengthInSeconds" ma:readOnly="true">
+    <xsd:element name="MediaLengthInSeconds" ma:index="15" nillable="true" ma:displayName="MediaLengthInSeconds" ma:hidden="true" ma:internalName="MediaLengthInSeconds" ma:readOnly="true">
       <xsd:simpleType>
         <xsd:restriction base="dms:Unknown"/>
       </xsd:simpleType>
     </xsd:element>
-    <xsd:element name="MediaServiceAutoKeyPoints" ma:index="19" nillable="true" ma:displayName="MediaServiceAutoKeyPoints" ma:hidden="true" ma:internalName="MediaServiceAutoKeyPoints" ma:readOnly="true">
+    <xsd:element name="MediaServiceBillingMetadata" ma:index="16" nillable="true" ma:displayName="MediaServiceBillingMetadata" ma:hidden="true" ma:internalName="MediaServiceBillingMetadata" ma:readOnly="true">
       <xsd:simpleType>
         <xsd:restriction base="dms:Note"/>
       </xsd:simpleType>
     </xsd:element>
-    <xsd:element name="MediaServiceKeyPoints" ma:index="20" nillable="true" ma:displayName="KeyPoints" ma:internalName="MediaServiceKeyPoints" ma:readOnly="true">
+    <xsd:element name="lcf76f155ced4ddcb4097134ff3c332f" ma:index="18" nillable="true" ma:taxonomy="true" ma:internalName="lcf76f155ced4ddcb4097134ff3c332f" ma:taxonomyFieldName="MediaServiceImageTags" ma:displayName="Afbeeldingtags" ma:readOnly="false" ma:fieldId="{5cf76f15-5ced-4ddc-b409-7134ff3c332f}" ma:taxonomyMulti="true" ma:sspId="5bd69f14-2b9f-433c-9887-fccfa466e118" ma:termSetId="09814cd3-568e-fe90-9814-8d621ff8fb84" ma:anchorId="fba54fb3-c3e1-fe81-a776-ca4b69148c4d" ma:open="true" ma:isKeyword="false">
+      <xsd:complexType>
+        <xsd:sequence>
+          <xsd:element ref="pc:Terms" minOccurs="0" maxOccurs="1"/>
+        </xsd:sequence>
+      </xsd:complexType>
+    </xsd:element>
+    <xsd:element name="MediaServiceOCR" ma:index="19" nillable="true" ma:displayName="Extracted Text" ma:internalName="MediaServiceOCR" ma:readOnly="true">
       <xsd:simpleType>
         <xsd:restriction base="dms:Note">
           <xsd:maxLength value="255"/>
         </xsd:restriction>
-      </xsd:simpleType>
-    </xsd:element>
-    <xsd:element name="MediaServiceOCR" ma:index="21" nillable="true" ma:displayName="Extracted Text" ma:internalName="MediaServiceOCR" ma:readOnly="true">
-      <xsd:simpleType>
-        <xsd:restriction base="dms:Note">
-          <xsd:maxLength value="255"/>
-        </xsd:restriction>
-      </xsd:simpleType>
-    </xsd:element>
-  </xsd:schema>
-  <xsd:schema xmlns:xsd="http://www.w3.org/2001/XMLSchema" xmlns:xs="http://www.w3.org/2001/XMLSchema" xmlns:dms="http://schemas.microsoft.com/office/2006/documentManagement/types" xmlns:pc="http://schemas.microsoft.com/office/infopath/2007/PartnerControls" targetNamespace="05827adb-aabe-415b-94da-6391be120ca3" elementFormDefault="qualified">
-    <xsd:import namespace="http://schemas.microsoft.com/office/2006/documentManagement/types"/>
-    <xsd:import namespace="http://schemas.microsoft.com/office/infopath/2007/PartnerControls"/>
-    <xsd:element name="SharedWithUsers" ma:index="15" nillable="true" ma:displayName="Shared With" ma:internalName="SharedWithUsers" ma:readOnly="true">
-      <xsd:complexType>
-        <xsd:complexContent>
-          <xsd:extension base="dms:UserMulti">
-            <xsd:sequence>
-              <xsd:element name="UserInfo" minOccurs="0" maxOccurs="unbounded">
-                <xsd:complexType>
-                  <xsd:sequence>
-                    <xsd:element name="DisplayName" type="xsd:string" minOccurs="0"/>
-                    <xsd:element name="AccountId" type="dms:UserId" minOccurs="0" nillable="true"/>
-                    <xsd:element name="AccountType" type="xsd:string" minOccurs="0"/>
-                  </xsd:sequence>
-                </xsd:complexType>
-              </xsd:element>
-            </xsd:sequence>
-          </xsd:extension>
-        </xsd:complexContent>
-      </xsd:complexType>
-    </xsd:element>
-    <xsd:element name="SharedWithDetails" ma:index="16" nillable="true" ma:displayName="Shared With Details" ma:internalName="SharedWithDetails" ma:readOnly="true">
-      <xsd:simpleType>
-        <xsd:restriction base="dms:Note">
-          <xsd:maxLength value="255"/>
-        </xsd:restriction>
-      </xsd:simpleType>
-    </xsd:element>
-    <xsd:element name="SharingHintHash" ma:index="17" nillable="true" ma:displayName="Sharing Hint Hash" ma:hidden="true" ma:internalName="SharingHintHash" ma:readOnly="true">
-      <xsd:simpleType>
-        <xsd:restriction base="dms:Text"/>
       </xsd:simpleType>
     </xsd:element>
   </xsd:schema>
@@ -32114,8 +32082,8 @@
         <xsd:element ref="dc:creator" minOccurs="0" maxOccurs="1"/>
         <xsd:element ref="dcterms:created" minOccurs="0" maxOccurs="1"/>
         <xsd:element ref="dc:identifier" minOccurs="0" maxOccurs="1"/>
-        <xsd:element name="contentType" minOccurs="0" maxOccurs="1" type="xsd:string" ma:index="0" ma:displayName="Content Type"/>
-        <xsd:element ref="dc:title" minOccurs="0" maxOccurs="1" ma:index="4" ma:displayName="Title"/>
+        <xsd:element name="contentType" minOccurs="0" maxOccurs="1" type="xsd:string" ma:index="0" ma:displayName="Inhoudstype"/>
+        <xsd:element ref="dc:title" minOccurs="0" maxOccurs="1" ma:index="4" ma:displayName="Titel"/>
         <xsd:element ref="dc:subject" minOccurs="0" maxOccurs="1"/>
         <xsd:element ref="dc:description" minOccurs="0" maxOccurs="1"/>
         <xsd:element name="keywords" minOccurs="0" maxOccurs="1" type="xsd:string"/>
@@ -32230,20 +32198,5 @@
 </file>
 
 <file path=customXml/itemProps3.xml><?xml version="1.0" encoding="utf-8"?>
-<ds:datastoreItem xmlns:ds="http://schemas.openxmlformats.org/officeDocument/2006/customXml" ds:itemID="{B281B6F6-9941-4059-9231-E3E3F6E4107E}">
-  <ds:schemaRefs>
-    <ds:schemaRef ds:uri="http://schemas.microsoft.com/office/2006/metadata/contentType"/>
-    <ds:schemaRef ds:uri="http://schemas.microsoft.com/office/2006/metadata/properties/metaAttributes"/>
-    <ds:schemaRef ds:uri="http://www.w3.org/2001/XMLSchema"/>
-    <ds:schemaRef ds:uri="http://schemas.microsoft.com/office/2006/metadata/properties"/>
-    <ds:schemaRef ds:uri="564fa042-ba5f-40f1-b789-4e4509f02e28"/>
-    <ds:schemaRef ds:uri="05827adb-aabe-415b-94da-6391be120ca3"/>
-    <ds:schemaRef ds:uri="http://schemas.microsoft.com/office/2006/documentManagement/types"/>
-    <ds:schemaRef ds:uri="http://schemas.microsoft.com/office/infopath/2007/PartnerControls"/>
-    <ds:schemaRef ds:uri="http://schemas.openxmlformats.org/package/2006/metadata/core-properties"/>
-    <ds:schemaRef ds:uri="http://purl.org/dc/elements/1.1/"/>
-    <ds:schemaRef ds:uri="http://purl.org/dc/terms/"/>
-    <ds:schemaRef ds:uri="http://schemas.microsoft.com/internal/obd"/>
-  </ds:schemaRefs>
-</ds:datastoreItem>
+<ds:datastoreItem xmlns:ds="http://schemas.openxmlformats.org/officeDocument/2006/customXml" ds:itemID="{26CFD1B4-65EE-4470-BD21-EDEFABE0F8B8}"/>
 </file>